--- a/6_branch_prediction/lab4-分支预测-实验指导.pptx
+++ b/6_branch_prediction/lab4-分支预测-实验指导.pptx
@@ -5,7 +5,7 @@
     <p:sldMasterId id="2147483648" r:id="rId1"/>
   </p:sldMasterIdLst>
   <p:notesMasterIdLst>
-    <p:notesMasterId r:id="rId13"/>
+    <p:notesMasterId r:id="rId14"/>
   </p:notesMasterIdLst>
   <p:sldIdLst>
     <p:sldId id="256" r:id="rId2"/>
@@ -17,8 +17,9 @@
     <p:sldId id="262" r:id="rId8"/>
     <p:sldId id="274" r:id="rId9"/>
     <p:sldId id="263" r:id="rId10"/>
-    <p:sldId id="275" r:id="rId11"/>
-    <p:sldId id="258" r:id="rId12"/>
+    <p:sldId id="276" r:id="rId11"/>
+    <p:sldId id="275" r:id="rId12"/>
+    <p:sldId id="258" r:id="rId13"/>
   </p:sldIdLst>
   <p:sldSz cx="12192000" cy="6858000"/>
   <p:notesSz cx="6858000" cy="9144000"/>
@@ -207,7 +208,7 @@
           <a:p>
             <a:fld id="{1CBB5AAE-746B-6C4B-BD4E-0C139C931B19}" type="datetimeFigureOut">
               <a:rPr kumimoji="1" lang="zh-CN" altLang="en-US" smtClean="0"/>
-              <a:t>2019/5/18</a:t>
+              <a:t>2019/5/23</a:t>
             </a:fld>
             <a:endParaRPr kumimoji="1" lang="zh-CN" altLang="en-US"/>
           </a:p>
@@ -798,7 +799,7 @@
           <a:p>
             <a:fld id="{5142D7EB-D6F0-A647-B8A4-DE9809283E97}" type="datetimeFigureOut">
               <a:rPr kumimoji="1" lang="zh-CN" altLang="en-US" smtClean="0"/>
-              <a:t>2019/5/18</a:t>
+              <a:t>2019/5/23</a:t>
             </a:fld>
             <a:endParaRPr kumimoji="1" lang="zh-CN" altLang="en-US"/>
           </a:p>
@@ -971,7 +972,7 @@
           <a:p>
             <a:fld id="{5142D7EB-D6F0-A647-B8A4-DE9809283E97}" type="datetimeFigureOut">
               <a:rPr kumimoji="1" lang="zh-CN" altLang="en-US" smtClean="0"/>
-              <a:t>2019/5/18</a:t>
+              <a:t>2019/5/23</a:t>
             </a:fld>
             <a:endParaRPr kumimoji="1" lang="zh-CN" altLang="en-US"/>
           </a:p>
@@ -1154,7 +1155,7 @@
           <a:p>
             <a:fld id="{5142D7EB-D6F0-A647-B8A4-DE9809283E97}" type="datetimeFigureOut">
               <a:rPr kumimoji="1" lang="zh-CN" altLang="en-US" smtClean="0"/>
-              <a:t>2019/5/18</a:t>
+              <a:t>2019/5/23</a:t>
             </a:fld>
             <a:endParaRPr kumimoji="1" lang="zh-CN" altLang="en-US"/>
           </a:p>
@@ -1327,7 +1328,7 @@
           <a:p>
             <a:fld id="{5142D7EB-D6F0-A647-B8A4-DE9809283E97}" type="datetimeFigureOut">
               <a:rPr kumimoji="1" lang="zh-CN" altLang="en-US" smtClean="0"/>
-              <a:t>2019/5/18</a:t>
+              <a:t>2019/5/23</a:t>
             </a:fld>
             <a:endParaRPr kumimoji="1" lang="zh-CN" altLang="en-US"/>
           </a:p>
@@ -1605,7 +1606,7 @@
           <a:p>
             <a:fld id="{5142D7EB-D6F0-A647-B8A4-DE9809283E97}" type="datetimeFigureOut">
               <a:rPr kumimoji="1" lang="zh-CN" altLang="en-US" smtClean="0"/>
-              <a:t>2019/5/18</a:t>
+              <a:t>2019/5/23</a:t>
             </a:fld>
             <a:endParaRPr kumimoji="1" lang="zh-CN" altLang="en-US"/>
           </a:p>
@@ -1820,7 +1821,7 @@
           <a:p>
             <a:fld id="{5142D7EB-D6F0-A647-B8A4-DE9809283E97}" type="datetimeFigureOut">
               <a:rPr kumimoji="1" lang="zh-CN" altLang="en-US" smtClean="0"/>
-              <a:t>2019/5/18</a:t>
+              <a:t>2019/5/23</a:t>
             </a:fld>
             <a:endParaRPr kumimoji="1" lang="zh-CN" altLang="en-US"/>
           </a:p>
@@ -2188,7 +2189,7 @@
           <a:p>
             <a:fld id="{5142D7EB-D6F0-A647-B8A4-DE9809283E97}" type="datetimeFigureOut">
               <a:rPr kumimoji="1" lang="zh-CN" altLang="en-US" smtClean="0"/>
-              <a:t>2019/5/18</a:t>
+              <a:t>2019/5/23</a:t>
             </a:fld>
             <a:endParaRPr kumimoji="1" lang="zh-CN" altLang="en-US"/>
           </a:p>
@@ -2329,7 +2330,7 @@
           <a:p>
             <a:fld id="{5142D7EB-D6F0-A647-B8A4-DE9809283E97}" type="datetimeFigureOut">
               <a:rPr kumimoji="1" lang="zh-CN" altLang="en-US" smtClean="0"/>
-              <a:t>2019/5/18</a:t>
+              <a:t>2019/5/23</a:t>
             </a:fld>
             <a:endParaRPr kumimoji="1" lang="zh-CN" altLang="en-US"/>
           </a:p>
@@ -2442,7 +2443,7 @@
           <a:p>
             <a:fld id="{5142D7EB-D6F0-A647-B8A4-DE9809283E97}" type="datetimeFigureOut">
               <a:rPr kumimoji="1" lang="zh-CN" altLang="en-US" smtClean="0"/>
-              <a:t>2019/5/18</a:t>
+              <a:t>2019/5/23</a:t>
             </a:fld>
             <a:endParaRPr kumimoji="1" lang="zh-CN" altLang="en-US"/>
           </a:p>
@@ -2731,7 +2732,7 @@
           <a:p>
             <a:fld id="{5142D7EB-D6F0-A647-B8A4-DE9809283E97}" type="datetimeFigureOut">
               <a:rPr kumimoji="1" lang="zh-CN" altLang="en-US" smtClean="0"/>
-              <a:t>2019/5/18</a:t>
+              <a:t>2019/5/23</a:t>
             </a:fld>
             <a:endParaRPr kumimoji="1" lang="zh-CN" altLang="en-US"/>
           </a:p>
@@ -3022,7 +3023,7 @@
           <a:p>
             <a:fld id="{5142D7EB-D6F0-A647-B8A4-DE9809283E97}" type="datetimeFigureOut">
               <a:rPr kumimoji="1" lang="zh-CN" altLang="en-US" smtClean="0"/>
-              <a:t>2019/5/18</a:t>
+              <a:t>2019/5/23</a:t>
             </a:fld>
             <a:endParaRPr kumimoji="1" lang="zh-CN" altLang="en-US"/>
           </a:p>
@@ -3238,7 +3239,7 @@
           <a:p>
             <a:fld id="{5142D7EB-D6F0-A647-B8A4-DE9809283E97}" type="datetimeFigureOut">
               <a:rPr kumimoji="1" lang="zh-CN" altLang="en-US" smtClean="0"/>
-              <a:t>2019/5/18</a:t>
+              <a:t>2019/5/23</a:t>
             </a:fld>
             <a:endParaRPr kumimoji="1" lang="zh-CN" altLang="en-US"/>
           </a:p>
@@ -3765,6 +3766,495 @@
           <a:lstStyle/>
           <a:p>
             <a:r>
+              <a:rPr lang="en-GB" altLang="zh-CN" b="1" dirty="0"/>
+              <a:t>Branch History Table </a:t>
+            </a:r>
+            <a:r>
+              <a:rPr lang="en-GB" altLang="zh-CN" dirty="0"/>
+              <a:t>(</a:t>
+            </a:r>
+            <a:r>
+              <a:rPr kumimoji="1" lang="en-US" altLang="zh-CN" dirty="0"/>
+              <a:t>BHT)</a:t>
+            </a:r>
+            <a:endParaRPr kumimoji="1" lang="zh-CN" altLang="en-US" dirty="0"/>
+          </a:p>
+        </p:txBody>
+      </p:sp>
+      <p:sp>
+        <p:nvSpPr>
+          <p:cNvPr id="4" name="内容占位符 2">
+            <a:extLst>
+              <a:ext uri="{FF2B5EF4-FFF2-40B4-BE49-F238E27FC236}">
+                <a16:creationId xmlns:a16="http://schemas.microsoft.com/office/drawing/2014/main" id="{A96B8F8A-F011-B84C-AAF9-8E70306FE7D8}"/>
+              </a:ext>
+            </a:extLst>
+          </p:cNvPr>
+          <p:cNvSpPr>
+            <a:spLocks noGrp="1"/>
+          </p:cNvSpPr>
+          <p:nvPr>
+            <p:ph idx="1"/>
+          </p:nvPr>
+        </p:nvSpPr>
+        <p:spPr>
+          <a:xfrm>
+            <a:off x="595132" y="1675154"/>
+            <a:ext cx="10515600" cy="4351338"/>
+          </a:xfrm>
+        </p:spPr>
+        <p:txBody>
+          <a:bodyPr>
+            <a:normAutofit fontScale="92500"/>
+          </a:bodyPr>
+          <a:lstStyle/>
+          <a:p>
+            <a:pPr marL="514350" indent="-514350">
+              <a:buFont typeface="+mj-lt"/>
+              <a:buAutoNum type="arabicPeriod"/>
+            </a:pPr>
+            <a:r>
+              <a:rPr kumimoji="1" lang="ja-JP" altLang="en-US"/>
+              <a:t>上表前三列是</a:t>
+            </a:r>
+            <a:r>
+              <a:rPr kumimoji="1" lang="ja-JP" altLang="en-US">
+                <a:ea typeface="+mj-ea"/>
+              </a:rPr>
+              <a:t>输</a:t>
+            </a:r>
+            <a:r>
+              <a:rPr kumimoji="1" lang="ja-JP" altLang="en-US"/>
+              <a:t>入</a:t>
+            </a:r>
+            <a:r>
+              <a:rPr kumimoji="1" lang="zh-CN" altLang="en-US" dirty="0"/>
+              <a:t>，</a:t>
+            </a:r>
+            <a:r>
+              <a:rPr kumimoji="1" lang="ja-JP" altLang="en-US"/>
+              <a:t>其余是输出</a:t>
+            </a:r>
+            <a:r>
+              <a:rPr kumimoji="1" lang="zh-CN" altLang="en-US" dirty="0"/>
+              <a:t>。</a:t>
+            </a:r>
+            <a:endParaRPr kumimoji="1" lang="en-US" altLang="zh-CN" dirty="0"/>
+          </a:p>
+          <a:p>
+            <a:pPr marL="514350" indent="-514350">
+              <a:buFont typeface="+mj-lt"/>
+              <a:buAutoNum type="arabicPeriod"/>
+            </a:pPr>
+            <a:r>
+              <a:rPr kumimoji="1" lang="en-US" altLang="zh-CN" dirty="0"/>
+              <a:t>BTB</a:t>
+            </a:r>
+            <a:r>
+              <a:rPr kumimoji="1" lang="ja-JP" altLang="en-US"/>
+              <a:t>表示</a:t>
+            </a:r>
+            <a:r>
+              <a:rPr kumimoji="1" lang="en-US" altLang="ja-JP" dirty="0"/>
+              <a:t>BTB</a:t>
+            </a:r>
+            <a:r>
+              <a:rPr kumimoji="1" lang="ja-JP" altLang="en-US"/>
+              <a:t>的</a:t>
+            </a:r>
+            <a:r>
+              <a:rPr kumimoji="1" lang="en-US" altLang="ja-JP" dirty="0"/>
+              <a:t>buffer</a:t>
+            </a:r>
+            <a:r>
+              <a:rPr kumimoji="1" lang="ja-JP" altLang="en-US"/>
+              <a:t>是否命中</a:t>
+            </a:r>
+            <a:r>
+              <a:rPr kumimoji="1" lang="zh-CN" altLang="en-US" dirty="0"/>
+              <a:t>；</a:t>
+            </a:r>
+            <a:r>
+              <a:rPr kumimoji="1" lang="en-US" altLang="zh-CN" dirty="0"/>
+              <a:t>BHT</a:t>
+            </a:r>
+            <a:r>
+              <a:rPr kumimoji="1" lang="ja-JP" altLang="en-US"/>
+              <a:t>表示当前指令地址对应</a:t>
+            </a:r>
+            <a:r>
+              <a:rPr kumimoji="1" lang="en-US" altLang="ja-JP" dirty="0"/>
+              <a:t>BHT</a:t>
+            </a:r>
+            <a:r>
+              <a:rPr kumimoji="1" lang="ja-JP" altLang="en-US"/>
+              <a:t>中的状态是否是</a:t>
+            </a:r>
+            <a:r>
+              <a:rPr kumimoji="1" lang="en-US" altLang="ja-JP" dirty="0"/>
+              <a:t>predict taken</a:t>
+            </a:r>
+            <a:r>
+              <a:rPr kumimoji="1" lang="ja-JP" altLang="en-US"/>
+              <a:t>状态</a:t>
+            </a:r>
+            <a:r>
+              <a:rPr kumimoji="1" lang="zh-CN" altLang="en-US" dirty="0"/>
+              <a:t>；</a:t>
+            </a:r>
+            <a:r>
+              <a:rPr kumimoji="1" lang="en-US" altLang="zh-CN" dirty="0"/>
+              <a:t>REAL</a:t>
+            </a:r>
+            <a:r>
+              <a:rPr kumimoji="1" lang="ja-JP" altLang="en-US"/>
+              <a:t>表示当前分支指令是否真正跳转</a:t>
+            </a:r>
+            <a:r>
+              <a:rPr kumimoji="1" lang="zh-CN" altLang="en-US" dirty="0"/>
+              <a:t>。</a:t>
+            </a:r>
+            <a:r>
+              <a:rPr kumimoji="1" lang="ja-JP" altLang="en-US"/>
+              <a:t>其中</a:t>
+            </a:r>
+            <a:r>
+              <a:rPr kumimoji="1" lang="en-US" altLang="ja-JP" dirty="0"/>
+              <a:t>BTB</a:t>
+            </a:r>
+            <a:r>
+              <a:rPr kumimoji="1" lang="ja-JP" altLang="en-US"/>
+              <a:t>和</a:t>
+            </a:r>
+            <a:r>
+              <a:rPr kumimoji="1" lang="en-US" altLang="ja-JP" dirty="0"/>
+              <a:t>BHT</a:t>
+            </a:r>
+            <a:r>
+              <a:rPr kumimoji="1" lang="ja-JP" altLang="en-US"/>
+              <a:t>是否命中信号在</a:t>
+            </a:r>
+            <a:r>
+              <a:rPr kumimoji="1" lang="en-US" altLang="ja-JP" dirty="0"/>
+              <a:t>IF</a:t>
+            </a:r>
+            <a:r>
+              <a:rPr kumimoji="1" lang="ja-JP" altLang="en-US"/>
+              <a:t>阶段产生</a:t>
+            </a:r>
+            <a:r>
+              <a:rPr kumimoji="1" lang="zh-CN" altLang="en-US" dirty="0"/>
+              <a:t>，</a:t>
+            </a:r>
+            <a:r>
+              <a:rPr kumimoji="1" lang="ja-JP" altLang="en-US">
+                <a:solidFill>
+                  <a:srgbClr val="FF0000"/>
+                </a:solidFill>
+              </a:rPr>
+              <a:t>随流水线段寄存器传递到</a:t>
+            </a:r>
+            <a:r>
+              <a:rPr kumimoji="1" lang="en-US" altLang="ja-JP" dirty="0">
+                <a:solidFill>
+                  <a:srgbClr val="FF0000"/>
+                </a:solidFill>
+              </a:rPr>
+              <a:t>EX</a:t>
+            </a:r>
+            <a:r>
+              <a:rPr kumimoji="1" lang="ja-JP" altLang="en-US">
+                <a:solidFill>
+                  <a:srgbClr val="FF0000"/>
+                </a:solidFill>
+              </a:rPr>
+              <a:t>阶段</a:t>
+            </a:r>
+            <a:r>
+              <a:rPr kumimoji="1" lang="zh-CN" altLang="en-US" dirty="0"/>
+              <a:t>；</a:t>
+            </a:r>
+            <a:r>
+              <a:rPr kumimoji="1" lang="en-US" altLang="zh-CN" dirty="0"/>
+              <a:t>REAL</a:t>
+            </a:r>
+            <a:r>
+              <a:rPr kumimoji="1" lang="ja-JP" altLang="en-US"/>
+              <a:t>信号在</a:t>
+            </a:r>
+            <a:r>
+              <a:rPr kumimoji="1" lang="en-US" altLang="ja-JP" dirty="0"/>
+              <a:t>EX</a:t>
+            </a:r>
+            <a:r>
+              <a:rPr kumimoji="1" lang="ja-JP" altLang="en-US"/>
+              <a:t>阶段产生</a:t>
+            </a:r>
+            <a:r>
+              <a:rPr kumimoji="1" lang="zh-CN" altLang="en-US" dirty="0"/>
+              <a:t>。</a:t>
+            </a:r>
+            <a:endParaRPr kumimoji="1" lang="en-US" altLang="zh-CN" dirty="0"/>
+          </a:p>
+          <a:p>
+            <a:pPr marL="514350" indent="-514350">
+              <a:buFont typeface="+mj-lt"/>
+              <a:buAutoNum type="arabicPeriod"/>
+            </a:pPr>
+            <a:r>
+              <a:rPr kumimoji="1" lang="en-US" altLang="zh-CN" dirty="0"/>
+              <a:t>NPC_PRED</a:t>
+            </a:r>
+            <a:r>
+              <a:rPr kumimoji="1" lang="ja-JP" altLang="en-US"/>
+              <a:t>表示预测下一条指令地址</a:t>
+            </a:r>
+            <a:r>
+              <a:rPr kumimoji="1" lang="zh-CN" altLang="en-US" dirty="0"/>
+              <a:t>，</a:t>
+            </a:r>
+            <a:r>
+              <a:rPr kumimoji="1" lang="en-US" altLang="zh-CN" dirty="0"/>
+              <a:t>BUF</a:t>
+            </a:r>
+            <a:r>
+              <a:rPr kumimoji="1" lang="ja-JP" altLang="en-US"/>
+              <a:t>表示从</a:t>
+            </a:r>
+            <a:r>
+              <a:rPr kumimoji="1" lang="en-US" altLang="ja-JP" dirty="0"/>
+              <a:t>BTB</a:t>
+            </a:r>
+            <a:r>
+              <a:rPr kumimoji="1" lang="ja-JP" altLang="en-US"/>
+              <a:t>中取出的地址</a:t>
+            </a:r>
+            <a:r>
+              <a:rPr kumimoji="1" lang="zh-CN" altLang="en-US" dirty="0"/>
+              <a:t>；</a:t>
+            </a:r>
+            <a:r>
+              <a:rPr kumimoji="1" lang="en-US" altLang="zh-CN" dirty="0"/>
+              <a:t>flush</a:t>
+            </a:r>
+            <a:r>
+              <a:rPr kumimoji="1" lang="ja-JP" altLang="en-US"/>
+              <a:t>表示刷新流水线</a:t>
+            </a:r>
+            <a:r>
+              <a:rPr kumimoji="1" lang="zh-CN" altLang="en-US" dirty="0"/>
+              <a:t>；</a:t>
+            </a:r>
+            <a:r>
+              <a:rPr kumimoji="1" lang="en-US" altLang="zh-CN" dirty="0"/>
+              <a:t>NPC_REAL</a:t>
+            </a:r>
+            <a:r>
+              <a:rPr kumimoji="1" lang="ja-JP" altLang="en-US"/>
+              <a:t>表示</a:t>
+            </a:r>
+            <a:r>
+              <a:rPr kumimoji="1" lang="en-US" altLang="ja-JP" dirty="0"/>
+              <a:t>EX</a:t>
+            </a:r>
+            <a:r>
+              <a:rPr kumimoji="1" lang="ja-JP" altLang="en-US"/>
+              <a:t>阶段正确判断出的</a:t>
+            </a:r>
+            <a:r>
+              <a:rPr kumimoji="1" lang="en-US" altLang="ja-JP" dirty="0"/>
+              <a:t>NPC</a:t>
+            </a:r>
+            <a:r>
+              <a:rPr kumimoji="1" lang="zh-CN" altLang="en-US" dirty="0"/>
+              <a:t>。</a:t>
+            </a:r>
+            <a:endParaRPr kumimoji="1" lang="en-US" altLang="zh-CN" dirty="0"/>
+          </a:p>
+          <a:p>
+            <a:pPr marL="514350" indent="-514350">
+              <a:buFont typeface="+mj-lt"/>
+              <a:buAutoNum type="arabicPeriod"/>
+            </a:pPr>
+            <a:r>
+              <a:rPr kumimoji="1" lang="en-US" altLang="zh-CN" dirty="0"/>
+              <a:t>BHT</a:t>
+            </a:r>
+            <a:r>
+              <a:rPr kumimoji="1" lang="ja-JP" altLang="en-US"/>
+              <a:t>根据状态机更新</a:t>
+            </a:r>
+            <a:r>
+              <a:rPr kumimoji="1" lang="zh-CN" altLang="en-US" dirty="0"/>
+              <a:t>；</a:t>
+            </a:r>
+            <a:r>
+              <a:rPr kumimoji="1" lang="en-US" altLang="zh-CN" dirty="0"/>
+              <a:t>BTB</a:t>
+            </a:r>
+            <a:r>
+              <a:rPr kumimoji="1" lang="ja-JP" altLang="en-US"/>
+              <a:t>在</a:t>
+            </a:r>
+            <a:r>
+              <a:rPr kumimoji="1" lang="en-US" altLang="ja-JP" dirty="0"/>
+              <a:t>cache</a:t>
+            </a:r>
+            <a:r>
+              <a:rPr kumimoji="1" lang="ja-JP" altLang="en-US"/>
+              <a:t>冲突时更新</a:t>
+            </a:r>
+            <a:r>
+              <a:rPr kumimoji="1" lang="zh-CN" altLang="en-US" dirty="0"/>
+              <a:t>。</a:t>
+            </a:r>
+            <a:endParaRPr kumimoji="1" lang="en-US" altLang="zh-CN" dirty="0"/>
+          </a:p>
+          <a:p>
+            <a:pPr marL="514350" indent="-514350">
+              <a:buFont typeface="+mj-lt"/>
+              <a:buAutoNum type="arabicPeriod"/>
+            </a:pPr>
+            <a:r>
+              <a:rPr kumimoji="1" lang="ja-JP" altLang="en-US"/>
+              <a:t>动态分支预测根据</a:t>
+            </a:r>
+            <a:r>
+              <a:rPr kumimoji="1" lang="en-US" altLang="ja-JP" dirty="0"/>
+              <a:t>BHT</a:t>
+            </a:r>
+            <a:r>
+              <a:rPr kumimoji="1" lang="ja-JP" altLang="en-US"/>
+              <a:t>的是否命中来确定</a:t>
+            </a:r>
+            <a:r>
+              <a:rPr kumimoji="1" lang="zh-CN" altLang="en-US" dirty="0"/>
+              <a:t>（</a:t>
+            </a:r>
+            <a:r>
+              <a:rPr kumimoji="1" lang="ja-JP" altLang="en-US"/>
+              <a:t>因为更精确</a:t>
+            </a:r>
+            <a:r>
+              <a:rPr kumimoji="1" lang="zh-CN" altLang="en-US"/>
+              <a:t>）；</a:t>
+            </a:r>
+            <a:r>
+              <a:rPr kumimoji="1" lang="ja-JP" altLang="en-US"/>
+              <a:t>但是如果</a:t>
+            </a:r>
+            <a:r>
+              <a:rPr kumimoji="1" lang="en-US" altLang="ja-JP" dirty="0"/>
+              <a:t>BTB</a:t>
+            </a:r>
+            <a:r>
+              <a:rPr kumimoji="1" lang="ja-JP" altLang="en-US"/>
+              <a:t>没命中</a:t>
+            </a:r>
+            <a:r>
+              <a:rPr kumimoji="1" lang="zh-CN" altLang="en-US" dirty="0"/>
+              <a:t>，</a:t>
+            </a:r>
+            <a:r>
+              <a:rPr kumimoji="1" lang="en-US" altLang="zh-CN" dirty="0"/>
+              <a:t>BHT</a:t>
+            </a:r>
+            <a:r>
+              <a:rPr kumimoji="1" lang="ja-JP" altLang="en-US"/>
+              <a:t>命中</a:t>
+            </a:r>
+            <a:r>
+              <a:rPr kumimoji="1" lang="zh-CN" altLang="en-US" dirty="0"/>
+              <a:t>，</a:t>
+            </a:r>
+            <a:r>
+              <a:rPr kumimoji="1" lang="ja-JP" altLang="en-US"/>
+              <a:t>那么</a:t>
+            </a:r>
+            <a:r>
+              <a:rPr kumimoji="1" lang="en-US" altLang="ja-JP" dirty="0"/>
+              <a:t>NPC_PRED</a:t>
+            </a:r>
+            <a:r>
+              <a:rPr kumimoji="1" lang="ja-JP" altLang="en-US"/>
+              <a:t>选择</a:t>
+            </a:r>
+            <a:r>
+              <a:rPr kumimoji="1" lang="en-US" altLang="ja-JP" dirty="0"/>
+              <a:t>PC_IF+4</a:t>
+            </a:r>
+            <a:r>
+              <a:rPr kumimoji="1" lang="zh-CN" altLang="en-US" dirty="0"/>
+              <a:t>。</a:t>
+            </a:r>
+            <a:endParaRPr kumimoji="1" lang="en-US" altLang="zh-CN" dirty="0"/>
+          </a:p>
+          <a:p>
+            <a:pPr marL="514350" indent="-514350">
+              <a:buFont typeface="+mj-lt"/>
+              <a:buAutoNum type="arabicPeriod"/>
+            </a:pPr>
+            <a:endParaRPr kumimoji="1" lang="en-US" altLang="zh-CN" dirty="0"/>
+          </a:p>
+        </p:txBody>
+      </p:sp>
+    </p:spTree>
+    <p:extLst>
+      <p:ext uri="{BB962C8B-B14F-4D97-AF65-F5344CB8AC3E}">
+        <p14:creationId xmlns:p14="http://schemas.microsoft.com/office/powerpoint/2010/main" val="3376837448"/>
+      </p:ext>
+    </p:extLst>
+  </p:cSld>
+  <p:clrMapOvr>
+    <a:masterClrMapping/>
+  </p:clrMapOvr>
+</p:sld>
+</file>
+
+<file path=ppt/slides/slide11.xml><?xml version="1.0" encoding="utf-8"?>
+<p:sld xmlns:a="http://schemas.openxmlformats.org/drawingml/2006/main" xmlns:r="http://schemas.openxmlformats.org/officeDocument/2006/relationships" xmlns:p="http://schemas.openxmlformats.org/presentationml/2006/main">
+  <p:cSld>
+    <p:spTree>
+      <p:nvGrpSpPr>
+        <p:cNvPr id="1" name=""/>
+        <p:cNvGrpSpPr/>
+        <p:nvPr/>
+      </p:nvGrpSpPr>
+      <p:grpSpPr>
+        <a:xfrm>
+          <a:off x="0" y="0"/>
+          <a:ext cx="0" cy="0"/>
+          <a:chOff x="0" y="0"/>
+          <a:chExt cx="0" cy="0"/>
+        </a:xfrm>
+      </p:grpSpPr>
+      <p:sp>
+        <p:nvSpPr>
+          <p:cNvPr id="2" name="标题 1">
+            <a:extLst>
+              <a:ext uri="{FF2B5EF4-FFF2-40B4-BE49-F238E27FC236}">
+                <a16:creationId xmlns:a16="http://schemas.microsoft.com/office/drawing/2014/main" id="{EEC67E66-900D-D047-B9E4-09E3C81CF375}"/>
+              </a:ext>
+            </a:extLst>
+          </p:cNvPr>
+          <p:cNvSpPr>
+            <a:spLocks noGrp="1"/>
+          </p:cNvSpPr>
+          <p:nvPr>
+            <p:ph type="title"/>
+          </p:nvPr>
+        </p:nvSpPr>
+        <p:spPr>
+          <a:xfrm>
+            <a:off x="456236" y="187193"/>
+            <a:ext cx="10515600" cy="1325563"/>
+          </a:xfrm>
+        </p:spPr>
+        <p:txBody>
+          <a:bodyPr/>
+          <a:lstStyle/>
+          <a:p>
+            <a:r>
               <a:rPr kumimoji="1" lang="zh-CN" altLang="en-US" dirty="0"/>
               <a:t>需要添加、修改的代码部分</a:t>
             </a:r>
@@ -3886,7 +4376,7 @@
 </p:sld>
 </file>
 
-<file path=ppt/slides/slide11.xml><?xml version="1.0" encoding="utf-8"?>
+<file path=ppt/slides/slide12.xml><?xml version="1.0" encoding="utf-8"?>
 <p:sld xmlns:a="http://schemas.openxmlformats.org/drawingml/2006/main" xmlns:r="http://schemas.openxmlformats.org/officeDocument/2006/relationships" xmlns:p="http://schemas.openxmlformats.org/presentationml/2006/main">
   <p:cSld>
     <p:spTree>
@@ -6302,7 +6792,22 @@
               <a:rPr lang="en-GB" altLang="zh-CN" sz="2400" dirty="0">
                 <a:latin typeface="AdvOTab62ddd1"/>
               </a:rPr>
-              <a:t>The memory contains a bit that says whether the branch was recently taken or not. </a:t>
+              <a:t>The memory contains a bit that says whether the branch was </a:t>
+            </a:r>
+            <a:r>
+              <a:rPr lang="en-GB" altLang="zh-CN" sz="2400" dirty="0">
+                <a:solidFill>
+                  <a:srgbClr val="FF0000"/>
+                </a:solidFill>
+                <a:latin typeface="AdvOTab62ddd1"/>
+              </a:rPr>
+              <a:t>recently taken or not</a:t>
+            </a:r>
+            <a:r>
+              <a:rPr lang="en-GB" altLang="zh-CN" sz="2400" dirty="0">
+                <a:latin typeface="AdvOTab62ddd1"/>
+              </a:rPr>
+              <a:t>. </a:t>
             </a:r>
             <a:endParaRPr lang="en-GB" altLang="zh-CN" sz="2400" dirty="0"/>
           </a:p>
@@ -10713,7 +11218,7 @@
         </p:blipFill>
         <p:spPr>
           <a:xfrm>
-            <a:off x="2145657" y="1512756"/>
+            <a:off x="2400300" y="2251446"/>
             <a:ext cx="7391400" cy="4660900"/>
           </a:xfrm>
           <a:prstGeom prst="rect">
@@ -10735,7 +11240,7 @@
         </p:nvSpPr>
         <p:spPr>
           <a:xfrm>
-            <a:off x="4201610" y="2708475"/>
+            <a:off x="4456253" y="3447165"/>
             <a:ext cx="793184" cy="584775"/>
           </a:xfrm>
           <a:prstGeom prst="rect">
@@ -10796,7 +11301,7 @@
         </p:nvSpPr>
         <p:spPr>
           <a:xfrm>
-            <a:off x="8312553" y="2708475"/>
+            <a:off x="8567196" y="3447165"/>
             <a:ext cx="793184" cy="584775"/>
           </a:xfrm>
           <a:prstGeom prst="rect">
@@ -10873,7 +11378,7 @@
         </p:nvSpPr>
         <p:spPr>
           <a:xfrm>
-            <a:off x="3796496" y="4488969"/>
+            <a:off x="4051139" y="5227659"/>
             <a:ext cx="972274" cy="584775"/>
           </a:xfrm>
           <a:prstGeom prst="rect">
@@ -10934,7 +11439,7 @@
         </p:nvSpPr>
         <p:spPr>
           <a:xfrm>
-            <a:off x="7942162" y="4488969"/>
+            <a:off x="8196805" y="5227659"/>
             <a:ext cx="972274" cy="584775"/>
           </a:xfrm>
           <a:prstGeom prst="rect">
@@ -10978,6 +11483,123 @@
                 </a:outerShdw>
               </a:effectLst>
             </a:endParaRPr>
+          </a:p>
+        </p:txBody>
+      </p:sp>
+      <p:sp>
+        <p:nvSpPr>
+          <p:cNvPr id="9" name="内容占位符 2">
+            <a:extLst>
+              <a:ext uri="{FF2B5EF4-FFF2-40B4-BE49-F238E27FC236}">
+                <a16:creationId xmlns:a16="http://schemas.microsoft.com/office/drawing/2014/main" id="{63636275-D6A6-C64B-B43A-61AE08AC8430}"/>
+              </a:ext>
+            </a:extLst>
+          </p:cNvPr>
+          <p:cNvSpPr>
+            <a:spLocks noGrp="1"/>
+          </p:cNvSpPr>
+          <p:nvPr>
+            <p:ph idx="1"/>
+          </p:nvPr>
+        </p:nvSpPr>
+        <p:spPr>
+          <a:xfrm>
+            <a:off x="456236" y="1271496"/>
+            <a:ext cx="10515600" cy="979950"/>
+          </a:xfrm>
+        </p:spPr>
+        <p:txBody>
+          <a:bodyPr/>
+          <a:lstStyle/>
+          <a:p>
+            <a:pPr marL="0" indent="0">
+              <a:buNone/>
+            </a:pPr>
+            <a:r>
+              <a:rPr kumimoji="1" lang="zh-CN" altLang="en-US" dirty="0"/>
+              <a:t>* </a:t>
+            </a:r>
+            <a:r>
+              <a:rPr kumimoji="1" lang="en-US" altLang="zh-CN" dirty="0"/>
+              <a:t>BHT</a:t>
+            </a:r>
+            <a:r>
+              <a:rPr kumimoji="1" lang="ja-JP" altLang="en-US"/>
+              <a:t>是一个</a:t>
+            </a:r>
+            <a:r>
+              <a:rPr kumimoji="1" lang="en-US" altLang="ja-JP" dirty="0"/>
+              <a:t>N</a:t>
+            </a:r>
+            <a:r>
+              <a:rPr kumimoji="1" lang="zh-CN" altLang="en-US" dirty="0"/>
+              <a:t>*</a:t>
+            </a:r>
+            <a:r>
+              <a:rPr kumimoji="1" lang="en-US" altLang="zh-CN" dirty="0"/>
+              <a:t>2</a:t>
+            </a:r>
+            <a:r>
+              <a:rPr kumimoji="1" lang="ja-JP" altLang="en-US"/>
+              <a:t>的</a:t>
+            </a:r>
+            <a:r>
+              <a:rPr kumimoji="1" lang="en-US" altLang="ja-JP" dirty="0"/>
+              <a:t>cache</a:t>
+            </a:r>
+            <a:r>
+              <a:rPr kumimoji="1" lang="zh-CN" altLang="en-US" dirty="0"/>
+              <a:t>，</a:t>
+            </a:r>
+            <a:r>
+              <a:rPr kumimoji="1" lang="en-US" altLang="zh-CN" dirty="0"/>
+              <a:t>N</a:t>
+            </a:r>
+            <a:r>
+              <a:rPr kumimoji="1" lang="ja-JP" altLang="en-US"/>
+              <a:t>表示</a:t>
+            </a:r>
+            <a:r>
+              <a:rPr kumimoji="1" lang="en-US" altLang="ja-JP" dirty="0"/>
+              <a:t>BHT</a:t>
+            </a:r>
+            <a:r>
+              <a:rPr kumimoji="1" lang="ja-JP" altLang="en-US"/>
+              <a:t>的行数</a:t>
+            </a:r>
+            <a:r>
+              <a:rPr kumimoji="1" lang="zh-CN" altLang="en-US" dirty="0"/>
+              <a:t>，</a:t>
+            </a:r>
+            <a:r>
+              <a:rPr kumimoji="1" lang="en-US" altLang="zh-CN" dirty="0"/>
+              <a:t>2</a:t>
+            </a:r>
+            <a:r>
+              <a:rPr kumimoji="1" lang="ja-JP" altLang="en-US"/>
+              <a:t>表示</a:t>
+            </a:r>
+            <a:r>
+              <a:rPr kumimoji="1" lang="en-US" altLang="zh-CN" dirty="0"/>
+              <a:t>2bit</a:t>
+            </a:r>
+            <a:r>
+              <a:rPr kumimoji="1" lang="zh-CN" altLang="en-US" dirty="0"/>
+              <a:t>；</a:t>
+            </a:r>
+            <a:r>
+              <a:rPr kumimoji="1" lang="en-US" altLang="zh-CN" dirty="0"/>
+              <a:t>cache</a:t>
+            </a:r>
+            <a:r>
+              <a:rPr kumimoji="1" lang="ja-JP" altLang="en-US"/>
+              <a:t>可以采用直接映射方式</a:t>
+            </a:r>
+            <a:r>
+              <a:rPr kumimoji="1" lang="zh-CN" altLang="en-US" dirty="0"/>
+              <a:t>。</a:t>
+            </a:r>
+            <a:endParaRPr kumimoji="1" lang="en-US" altLang="zh-CN" dirty="0"/>
           </a:p>
         </p:txBody>
       </p:sp>
@@ -15313,7 +15935,7 @@
           <p:nvPr>
             <p:extLst>
               <p:ext uri="{D42A27DB-BD31-4B8C-83A1-F6EECF244321}">
-                <p14:modId xmlns:p14="http://schemas.microsoft.com/office/powerpoint/2010/main" val="843859838"/>
+                <p14:modId xmlns:p14="http://schemas.microsoft.com/office/powerpoint/2010/main" val="2472323733"/>
               </p:ext>
             </p:extLst>
           </p:nvPr>
@@ -15408,7 +16030,7 @@
                     <a:p>
                       <a:pPr algn="l" fontAlgn="ctr"/>
                       <a:r>
-                        <a:rPr lang="en-GB" sz="1600" b="1" i="0" u="none" strike="noStrike">
+                        <a:rPr lang="en-GB" sz="1600" b="1" i="0" u="none" strike="noStrike" dirty="0">
                           <a:solidFill>
                             <a:srgbClr val="000000"/>
                           </a:solidFill>
@@ -15429,7 +16051,7 @@
                     <a:p>
                       <a:pPr algn="l" fontAlgn="ctr"/>
                       <a:r>
-                        <a:rPr lang="en-GB" sz="1600" b="1" i="0" u="none" strike="noStrike">
+                        <a:rPr lang="en-GB" sz="1600" b="1" i="0" u="none" strike="noStrike" dirty="0">
                           <a:solidFill>
                             <a:srgbClr val="000000"/>
                           </a:solidFill>
@@ -15513,7 +16135,7 @@
                     <a:p>
                       <a:pPr algn="l" fontAlgn="ctr"/>
                       <a:r>
-                        <a:rPr lang="en-GB" sz="1600" b="1" i="0" u="none" strike="noStrike">
+                        <a:rPr lang="en-GB" sz="1600" b="1" i="0" u="none" strike="noStrike" dirty="0">
                           <a:solidFill>
                             <a:srgbClr val="000000"/>
                           </a:solidFill>
@@ -15583,7 +16205,7 @@
                     <a:p>
                       <a:pPr algn="l" fontAlgn="ctr"/>
                       <a:r>
-                        <a:rPr lang="en-GB" sz="1600" b="1" i="0" u="none" strike="noStrike">
+                        <a:rPr lang="en-GB" sz="1600" b="1" i="0" u="none" strike="noStrike" dirty="0">
                           <a:solidFill>
                             <a:srgbClr val="000000"/>
                           </a:solidFill>
@@ -15734,7 +16356,7 @@
                     <a:p>
                       <a:pPr algn="l" fontAlgn="ctr"/>
                       <a:r>
-                        <a:rPr lang="en-GB" sz="1600" b="1" i="0" u="none" strike="noStrike">
+                        <a:rPr lang="en-GB" sz="1600" b="1" i="0" u="none" strike="noStrike" dirty="0">
                           <a:solidFill>
                             <a:srgbClr val="000000"/>
                           </a:solidFill>
@@ -15882,7 +16504,7 @@
                     <a:p>
                       <a:pPr algn="l" fontAlgn="ctr"/>
                       <a:r>
-                        <a:rPr lang="en-GB" sz="1600" b="1" i="0" u="none" strike="noStrike">
+                        <a:rPr lang="en-GB" sz="1600" b="1" i="0" u="none" strike="noStrike" dirty="0">
                           <a:solidFill>
                             <a:srgbClr val="000000"/>
                           </a:solidFill>
@@ -16027,7 +16649,7 @@
                     <a:p>
                       <a:pPr algn="l" fontAlgn="ctr"/>
                       <a:r>
-                        <a:rPr lang="en-GB" sz="1600" b="1" i="0" u="none" strike="noStrike">
+                        <a:rPr lang="en-GB" sz="1600" b="1" i="0" u="none" strike="noStrike" dirty="0">
                           <a:solidFill>
                             <a:srgbClr val="000000"/>
                           </a:solidFill>
@@ -16169,7 +16791,7 @@
                     <a:p>
                       <a:pPr algn="l" fontAlgn="ctr"/>
                       <a:r>
-                        <a:rPr lang="en-GB" sz="1600" b="1" i="0" u="none" strike="noStrike">
+                        <a:rPr lang="en-GB" sz="1600" b="1" i="0" u="none" strike="noStrike" dirty="0">
                           <a:solidFill>
                             <a:srgbClr val="000000"/>
                           </a:solidFill>
@@ -16311,7 +16933,7 @@
                     <a:p>
                       <a:pPr algn="l" fontAlgn="ctr"/>
                       <a:r>
-                        <a:rPr lang="en-GB" sz="1600" b="1" i="0" u="none" strike="noStrike">
+                        <a:rPr lang="en-GB" sz="1600" b="1" i="0" u="none" strike="noStrike" dirty="0">
                           <a:solidFill>
                             <a:srgbClr val="000000"/>
                           </a:solidFill>
@@ -16453,7 +17075,7 @@
                     <a:p>
                       <a:pPr algn="l" fontAlgn="ctr"/>
                       <a:r>
-                        <a:rPr lang="en-GB" sz="1600" b="1" i="0" u="none" strike="noStrike">
+                        <a:rPr lang="en-GB" sz="1600" b="1" i="0" u="none" strike="noStrike" dirty="0">
                           <a:solidFill>
                             <a:srgbClr val="000000"/>
                           </a:solidFill>
@@ -16574,7 +17196,7 @@
                     <a:p>
                       <a:pPr algn="l" fontAlgn="ctr"/>
                       <a:r>
-                        <a:rPr lang="en-GB" sz="1600" b="1" i="0" u="none" strike="noStrike">
+                        <a:rPr lang="en-GB" sz="1600" b="1" i="0" u="none" strike="noStrike" dirty="0">
                           <a:solidFill>
                             <a:srgbClr val="000000"/>
                           </a:solidFill>
@@ -16595,7 +17217,7 @@
                     <a:p>
                       <a:pPr algn="l" fontAlgn="ctr"/>
                       <a:r>
-                        <a:rPr lang="en-GB" sz="1600" b="1" i="0" u="none" strike="noStrike">
+                        <a:rPr lang="en-GB" sz="1600" b="1" i="0" u="none" strike="noStrike" dirty="0">
                           <a:solidFill>
                             <a:srgbClr val="000000"/>
                           </a:solidFill>
